--- a/Matlab and Image Detection.pptx
+++ b/Matlab and Image Detection.pptx
@@ -36,6 +36,12 @@
     <p:sldId id="273" r:id="rId30"/>
     <p:sldId id="274" r:id="rId31"/>
     <p:sldId id="275" r:id="rId32"/>
+    <p:sldId id="287" r:id="rId33"/>
+    <p:sldId id="288" r:id="rId34"/>
+    <p:sldId id="289" r:id="rId35"/>
+    <p:sldId id="290" r:id="rId36"/>
+    <p:sldId id="291" r:id="rId37"/>
+    <p:sldId id="292" r:id="rId38"/>
   </p:sldIdLst>
   <p:sldSz cx="9144000" cy="6858000" type="screen4x3"/>
   <p:notesSz cx="6858000" cy="9144000"/>
@@ -5206,7 +5212,9 @@
         </p:nvSpPr>
         <p:spPr/>
         <p:txBody>
-          <a:bodyPr/>
+          <a:bodyPr>
+            <a:normAutofit lnSpcReduction="10000"/>
+          </a:bodyPr>
           <a:lstStyle/>
           <a:p>
             <a:r>
@@ -5226,9 +5234,42 @@
             </a:r>
             <a:r>
               <a:rPr lang="en-US" dirty="0" err="1" smtClean="0"/>
-              <a:t>Matlab</a:t>
-            </a:r>
-            <a:endParaRPr lang="en-US" dirty="0"/>
+              <a:t>matlab</a:t>
+            </a:r>
+            <a:endParaRPr lang="en-US" dirty="0" smtClean="0"/>
+          </a:p>
+          <a:p>
+            <a:r>
+              <a:rPr lang="en-US" dirty="0" smtClean="0"/>
+              <a:t>Generating and analyzing histograms</a:t>
+            </a:r>
+          </a:p>
+          <a:p>
+            <a:r>
+              <a:rPr lang="en-US" dirty="0" smtClean="0"/>
+              <a:t>Noise reduction</a:t>
+            </a:r>
+          </a:p>
+          <a:p>
+            <a:r>
+              <a:rPr lang="en-US" dirty="0" smtClean="0"/>
+              <a:t>Detecting objects of interest in image</a:t>
+            </a:r>
+          </a:p>
+          <a:p>
+            <a:r>
+              <a:rPr lang="en-US" dirty="0" smtClean="0"/>
+              <a:t>A graded lab assignment at the end</a:t>
+            </a:r>
+          </a:p>
+          <a:p>
+            <a:r>
+              <a:rPr lang="en-US" dirty="0" smtClean="0"/>
+              <a:t>Download links given at the end</a:t>
+            </a:r>
+          </a:p>
+          <a:p>
+            <a:endParaRPr lang="en-US" dirty="0" smtClean="0"/>
           </a:p>
         </p:txBody>
       </p:sp>
@@ -6929,18 +6970,11 @@
             </a:r>
           </a:p>
           <a:p>
-            <a:r>
-              <a:rPr lang="en-US" dirty="0" smtClean="0"/>
-              <a:t>Convolution </a:t>
-            </a:r>
-          </a:p>
-          <a:p>
-            <a:r>
-              <a:rPr lang="en-US" dirty="0" smtClean="0"/>
-              <a:t>Image Filtering</a:t>
-            </a:r>
-          </a:p>
-          <a:p>
+            <a:pPr lvl="1"/>
+            <a:r>
+              <a:rPr lang="en-US" dirty="0" smtClean="0"/>
+              <a:t>Convolution (signal processing)</a:t>
+            </a:r>
             <a:endParaRPr lang="en-US" dirty="0" smtClean="0"/>
           </a:p>
           <a:p>
@@ -7540,13 +7574,651 @@
             </a:pPr>
             <a:r>
               <a:rPr lang="en-US" dirty="0" smtClean="0"/>
-              <a:t>The complete program: see </a:t>
-            </a:r>
-            <a:r>
-              <a:rPr lang="en-US" smtClean="0"/>
-              <a:t>the attachment.</a:t>
+              <a:t>The complete program can be downloaded from</a:t>
+            </a:r>
+          </a:p>
+          <a:p>
+            <a:pPr>
+              <a:buNone/>
+            </a:pPr>
+            <a:r>
+              <a:rPr lang="en-US" sz="2400" dirty="0" smtClean="0"/>
+              <a:t>https://github.com/akshar100/Matlab-Image-Detection</a:t>
+            </a:r>
+            <a:endParaRPr lang="en-US" sz="2400" dirty="0" smtClean="0"/>
+          </a:p>
+        </p:txBody>
+      </p:sp>
+    </p:spTree>
+  </p:cSld>
+  <p:clrMapOvr>
+    <a:masterClrMapping/>
+  </p:clrMapOvr>
+</p:sld>
+</file>
+
+<file path=ppt/slides/slide32.xml><?xml version="1.0" encoding="utf-8"?>
+<p:sld xmlns:a="http://schemas.openxmlformats.org/drawingml/2006/main" xmlns:r="http://schemas.openxmlformats.org/officeDocument/2006/relationships" xmlns:p="http://schemas.openxmlformats.org/presentationml/2006/main">
+  <p:cSld>
+    <p:spTree>
+      <p:nvGrpSpPr>
+        <p:cNvPr id="1" name=""/>
+        <p:cNvGrpSpPr/>
+        <p:nvPr/>
+      </p:nvGrpSpPr>
+      <p:grpSpPr>
+        <a:xfrm>
+          <a:off x="0" y="0"/>
+          <a:ext cx="0" cy="0"/>
+          <a:chOff x="0" y="0"/>
+          <a:chExt cx="0" cy="0"/>
+        </a:xfrm>
+      </p:grpSpPr>
+      <p:sp>
+        <p:nvSpPr>
+          <p:cNvPr id="2" name="Title 1"/>
+          <p:cNvSpPr>
+            <a:spLocks noGrp="1"/>
+          </p:cNvSpPr>
+          <p:nvPr>
+            <p:ph type="title"/>
+          </p:nvPr>
+        </p:nvSpPr>
+        <p:spPr/>
+        <p:txBody>
+          <a:bodyPr/>
+          <a:lstStyle/>
+          <a:p>
+            <a:r>
+              <a:rPr lang="en-US" dirty="0" smtClean="0"/>
+              <a:t>More on </a:t>
+            </a:r>
+            <a:r>
+              <a:rPr lang="en-US" dirty="0" err="1" smtClean="0"/>
+              <a:t>matlab</a:t>
+            </a:r>
+            <a:endParaRPr lang="en-US" dirty="0"/>
+          </a:p>
+        </p:txBody>
+      </p:sp>
+      <p:sp>
+        <p:nvSpPr>
+          <p:cNvPr id="3" name="Content Placeholder 2"/>
+          <p:cNvSpPr>
+            <a:spLocks noGrp="1"/>
+          </p:cNvSpPr>
+          <p:nvPr>
+            <p:ph idx="1"/>
+          </p:nvPr>
+        </p:nvSpPr>
+        <p:spPr/>
+        <p:txBody>
+          <a:bodyPr/>
+          <a:lstStyle/>
+          <a:p>
+            <a:r>
+              <a:rPr lang="en-US" dirty="0" err="1" smtClean="0"/>
+              <a:t>Matlab</a:t>
+            </a:r>
+            <a:r>
+              <a:rPr lang="en-US" dirty="0" smtClean="0"/>
+              <a:t> provides a large number of inbuilt filters (refer to the function manual)</a:t>
+            </a:r>
+          </a:p>
+          <a:p>
+            <a:r>
+              <a:rPr lang="en-US" dirty="0" smtClean="0"/>
+              <a:t>We can also define our own image filters</a:t>
+            </a:r>
+          </a:p>
+          <a:p>
+            <a:r>
+              <a:rPr lang="en-US" dirty="0" smtClean="0"/>
+              <a:t>We can convert images from one Color model to other. </a:t>
+            </a:r>
+          </a:p>
+          <a:p>
+            <a:r>
+              <a:rPr lang="en-US" dirty="0" smtClean="0"/>
+              <a:t>CMY model is usually very good for color based detection</a:t>
+            </a:r>
+            <a:endParaRPr lang="en-US" dirty="0"/>
+          </a:p>
+        </p:txBody>
+      </p:sp>
+    </p:spTree>
+  </p:cSld>
+  <p:clrMapOvr>
+    <a:masterClrMapping/>
+  </p:clrMapOvr>
+</p:sld>
+</file>
+
+<file path=ppt/slides/slide33.xml><?xml version="1.0" encoding="utf-8"?>
+<p:sld xmlns:a="http://schemas.openxmlformats.org/drawingml/2006/main" xmlns:r="http://schemas.openxmlformats.org/officeDocument/2006/relationships" xmlns:p="http://schemas.openxmlformats.org/presentationml/2006/main">
+  <p:cSld>
+    <p:spTree>
+      <p:nvGrpSpPr>
+        <p:cNvPr id="1" name=""/>
+        <p:cNvGrpSpPr/>
+        <p:nvPr/>
+      </p:nvGrpSpPr>
+      <p:grpSpPr>
+        <a:xfrm>
+          <a:off x="0" y="0"/>
+          <a:ext cx="0" cy="0"/>
+          <a:chOff x="0" y="0"/>
+          <a:chExt cx="0" cy="0"/>
+        </a:xfrm>
+      </p:grpSpPr>
+      <p:sp>
+        <p:nvSpPr>
+          <p:cNvPr id="2" name="Title 1"/>
+          <p:cNvSpPr>
+            <a:spLocks noGrp="1"/>
+          </p:cNvSpPr>
+          <p:nvPr>
+            <p:ph type="title"/>
+          </p:nvPr>
+        </p:nvSpPr>
+        <p:spPr/>
+        <p:txBody>
+          <a:bodyPr/>
+          <a:lstStyle/>
+          <a:p>
+            <a:r>
+              <a:rPr lang="en-US" dirty="0" smtClean="0"/>
+              <a:t>Two kinds of Object Detection</a:t>
+            </a:r>
+            <a:endParaRPr lang="en-US" dirty="0"/>
+          </a:p>
+        </p:txBody>
+      </p:sp>
+      <p:sp>
+        <p:nvSpPr>
+          <p:cNvPr id="3" name="Content Placeholder 2"/>
+          <p:cNvSpPr>
+            <a:spLocks noGrp="1"/>
+          </p:cNvSpPr>
+          <p:nvPr>
+            <p:ph idx="1"/>
+          </p:nvPr>
+        </p:nvSpPr>
+        <p:spPr/>
+        <p:txBody>
+          <a:bodyPr/>
+          <a:lstStyle/>
+          <a:p>
+            <a:r>
+              <a:rPr lang="en-US" dirty="0" smtClean="0"/>
+              <a:t>Color based</a:t>
+            </a:r>
+          </a:p>
+          <a:p>
+            <a:r>
+              <a:rPr lang="en-US" dirty="0" smtClean="0"/>
+              <a:t>Shape based</a:t>
+            </a:r>
+          </a:p>
+          <a:p>
+            <a:r>
+              <a:rPr lang="en-US" dirty="0" smtClean="0"/>
+              <a:t>We have explained only color based detection here. </a:t>
             </a:r>
             <a:endParaRPr lang="en-US" dirty="0" smtClean="0"/>
+          </a:p>
+          <a:p>
+            <a:r>
+              <a:rPr lang="en-US" dirty="0" smtClean="0"/>
+              <a:t>Shape based detection is more complex. </a:t>
+            </a:r>
+            <a:endParaRPr lang="en-US" dirty="0"/>
+          </a:p>
+        </p:txBody>
+      </p:sp>
+    </p:spTree>
+  </p:cSld>
+  <p:clrMapOvr>
+    <a:masterClrMapping/>
+  </p:clrMapOvr>
+</p:sld>
+</file>
+
+<file path=ppt/slides/slide34.xml><?xml version="1.0" encoding="utf-8"?>
+<p:sld xmlns:a="http://schemas.openxmlformats.org/drawingml/2006/main" xmlns:r="http://schemas.openxmlformats.org/officeDocument/2006/relationships" xmlns:p="http://schemas.openxmlformats.org/presentationml/2006/main">
+  <p:cSld>
+    <p:spTree>
+      <p:nvGrpSpPr>
+        <p:cNvPr id="1" name=""/>
+        <p:cNvGrpSpPr/>
+        <p:nvPr/>
+      </p:nvGrpSpPr>
+      <p:grpSpPr>
+        <a:xfrm>
+          <a:off x="0" y="0"/>
+          <a:ext cx="0" cy="0"/>
+          <a:chOff x="0" y="0"/>
+          <a:chExt cx="0" cy="0"/>
+        </a:xfrm>
+      </p:grpSpPr>
+      <p:sp>
+        <p:nvSpPr>
+          <p:cNvPr id="2" name="Title 1"/>
+          <p:cNvSpPr>
+            <a:spLocks noGrp="1"/>
+          </p:cNvSpPr>
+          <p:nvPr>
+            <p:ph type="title"/>
+          </p:nvPr>
+        </p:nvSpPr>
+        <p:spPr/>
+        <p:txBody>
+          <a:bodyPr/>
+          <a:lstStyle/>
+          <a:p>
+            <a:r>
+              <a:rPr lang="en-US" dirty="0" smtClean="0"/>
+              <a:t>Controlling Robot</a:t>
+            </a:r>
+            <a:endParaRPr lang="en-US" dirty="0"/>
+          </a:p>
+        </p:txBody>
+      </p:sp>
+      <p:sp>
+        <p:nvSpPr>
+          <p:cNvPr id="3" name="Content Placeholder 2"/>
+          <p:cNvSpPr>
+            <a:spLocks noGrp="1"/>
+          </p:cNvSpPr>
+          <p:nvPr>
+            <p:ph idx="1"/>
+          </p:nvPr>
+        </p:nvSpPr>
+        <p:spPr/>
+        <p:txBody>
+          <a:bodyPr/>
+          <a:lstStyle/>
+          <a:p>
+            <a:r>
+              <a:rPr lang="en-US" dirty="0" err="1" smtClean="0"/>
+              <a:t>Matlab</a:t>
+            </a:r>
+            <a:r>
+              <a:rPr lang="en-US" dirty="0" smtClean="0"/>
+              <a:t> can issue commands to communicate with the robot using serial communication</a:t>
+            </a:r>
+          </a:p>
+          <a:p>
+            <a:r>
+              <a:rPr lang="en-US" dirty="0" smtClean="0"/>
+              <a:t>Most of us would want the robot to go near the detected object.</a:t>
+            </a:r>
+          </a:p>
+        </p:txBody>
+      </p:sp>
+    </p:spTree>
+  </p:cSld>
+  <p:clrMapOvr>
+    <a:masterClrMapping/>
+  </p:clrMapOvr>
+</p:sld>
+</file>
+
+<file path=ppt/slides/slide35.xml><?xml version="1.0" encoding="utf-8"?>
+<p:sld xmlns:a="http://schemas.openxmlformats.org/drawingml/2006/main" xmlns:r="http://schemas.openxmlformats.org/officeDocument/2006/relationships" xmlns:p="http://schemas.openxmlformats.org/presentationml/2006/main">
+  <p:cSld>
+    <p:spTree>
+      <p:nvGrpSpPr>
+        <p:cNvPr id="1" name=""/>
+        <p:cNvGrpSpPr/>
+        <p:nvPr/>
+      </p:nvGrpSpPr>
+      <p:grpSpPr>
+        <a:xfrm>
+          <a:off x="0" y="0"/>
+          <a:ext cx="0" cy="0"/>
+          <a:chOff x="0" y="0"/>
+          <a:chExt cx="0" cy="0"/>
+        </a:xfrm>
+      </p:grpSpPr>
+      <p:sp>
+        <p:nvSpPr>
+          <p:cNvPr id="2" name="Title 1"/>
+          <p:cNvSpPr>
+            <a:spLocks noGrp="1"/>
+          </p:cNvSpPr>
+          <p:nvPr>
+            <p:ph type="title"/>
+          </p:nvPr>
+        </p:nvSpPr>
+        <p:spPr/>
+        <p:txBody>
+          <a:bodyPr/>
+          <a:lstStyle/>
+          <a:p>
+            <a:r>
+              <a:rPr lang="en-US" dirty="0" smtClean="0"/>
+              <a:t>Algorithm</a:t>
+            </a:r>
+            <a:endParaRPr lang="en-US" dirty="0"/>
+          </a:p>
+        </p:txBody>
+      </p:sp>
+      <p:sp>
+        <p:nvSpPr>
+          <p:cNvPr id="3" name="Content Placeholder 2"/>
+          <p:cNvSpPr>
+            <a:spLocks noGrp="1"/>
+          </p:cNvSpPr>
+          <p:nvPr>
+            <p:ph idx="1"/>
+          </p:nvPr>
+        </p:nvSpPr>
+        <p:spPr/>
+        <p:txBody>
+          <a:bodyPr/>
+          <a:lstStyle/>
+          <a:p>
+            <a:r>
+              <a:rPr lang="en-US" dirty="0" smtClean="0"/>
+              <a:t>Detect the Object in the image</a:t>
+            </a:r>
+          </a:p>
+          <a:p>
+            <a:r>
+              <a:rPr lang="en-US" dirty="0" smtClean="0"/>
+              <a:t>Find the center of the detected object</a:t>
+            </a:r>
+          </a:p>
+          <a:p>
+            <a:r>
+              <a:rPr lang="en-US" dirty="0" smtClean="0"/>
+              <a:t>Try to move the robot such that the center of the object is same as the center of the image</a:t>
+            </a:r>
+            <a:endParaRPr lang="en-US" dirty="0"/>
+          </a:p>
+        </p:txBody>
+      </p:sp>
+    </p:spTree>
+  </p:cSld>
+  <p:clrMapOvr>
+    <a:masterClrMapping/>
+  </p:clrMapOvr>
+</p:sld>
+</file>
+
+<file path=ppt/slides/slide36.xml><?xml version="1.0" encoding="utf-8"?>
+<p:sld xmlns:a="http://schemas.openxmlformats.org/drawingml/2006/main" xmlns:r="http://schemas.openxmlformats.org/officeDocument/2006/relationships" xmlns:p="http://schemas.openxmlformats.org/presentationml/2006/main">
+  <p:cSld>
+    <p:spTree>
+      <p:nvGrpSpPr>
+        <p:cNvPr id="1" name=""/>
+        <p:cNvGrpSpPr/>
+        <p:nvPr/>
+      </p:nvGrpSpPr>
+      <p:grpSpPr>
+        <a:xfrm>
+          <a:off x="0" y="0"/>
+          <a:ext cx="0" cy="0"/>
+          <a:chOff x="0" y="0"/>
+          <a:chExt cx="0" cy="0"/>
+        </a:xfrm>
+      </p:grpSpPr>
+      <p:sp>
+        <p:nvSpPr>
+          <p:cNvPr id="2" name="Title 1"/>
+          <p:cNvSpPr>
+            <a:spLocks noGrp="1"/>
+          </p:cNvSpPr>
+          <p:nvPr>
+            <p:ph type="title"/>
+          </p:nvPr>
+        </p:nvSpPr>
+        <p:spPr/>
+        <p:txBody>
+          <a:bodyPr/>
+          <a:lstStyle/>
+          <a:p>
+            <a:r>
+              <a:rPr lang="en-US" dirty="0" smtClean="0"/>
+              <a:t>Example Code</a:t>
+            </a:r>
+            <a:endParaRPr lang="en-US" dirty="0"/>
+          </a:p>
+        </p:txBody>
+      </p:sp>
+      <p:sp>
+        <p:nvSpPr>
+          <p:cNvPr id="3" name="Content Placeholder 2"/>
+          <p:cNvSpPr>
+            <a:spLocks noGrp="1"/>
+          </p:cNvSpPr>
+          <p:nvPr>
+            <p:ph idx="1"/>
+          </p:nvPr>
+        </p:nvSpPr>
+        <p:spPr>
+          <a:xfrm>
+            <a:off x="457200" y="1600201"/>
+            <a:ext cx="3048000" cy="4495800"/>
+          </a:xfrm>
+        </p:spPr>
+        <p:txBody>
+          <a:bodyPr>
+            <a:normAutofit fontScale="70000" lnSpcReduction="20000"/>
+          </a:bodyPr>
+          <a:lstStyle/>
+          <a:p>
+            <a:r>
+              <a:rPr lang="en-US" dirty="0" smtClean="0"/>
+              <a:t> if row &lt; 220</a:t>
+            </a:r>
+          </a:p>
+          <a:p>
+            <a:r>
+              <a:rPr lang="en-US" dirty="0" smtClean="0"/>
+              <a:t>            'go ahead'</a:t>
+            </a:r>
+          </a:p>
+          <a:p>
+            <a:r>
+              <a:rPr lang="en-US" dirty="0" smtClean="0"/>
+              <a:t>        </a:t>
+            </a:r>
+            <a:r>
+              <a:rPr lang="en-US" dirty="0" err="1" smtClean="0"/>
+              <a:t>elseif</a:t>
+            </a:r>
+            <a:r>
+              <a:rPr lang="en-US" dirty="0" smtClean="0"/>
+              <a:t> row &gt; 260</a:t>
+            </a:r>
+          </a:p>
+          <a:p>
+            <a:r>
+              <a:rPr lang="en-US" dirty="0" smtClean="0"/>
+              <a:t>            'go back'</a:t>
+            </a:r>
+          </a:p>
+          <a:p>
+            <a:r>
+              <a:rPr lang="en-US" dirty="0" smtClean="0"/>
+              <a:t>        </a:t>
+            </a:r>
+            <a:r>
+              <a:rPr lang="en-US" dirty="0" err="1" smtClean="0"/>
+              <a:t>elseif</a:t>
+            </a:r>
+            <a:r>
+              <a:rPr lang="en-US" dirty="0" smtClean="0"/>
+              <a:t> </a:t>
+            </a:r>
+            <a:r>
+              <a:rPr lang="en-US" dirty="0" err="1" smtClean="0"/>
+              <a:t>col</a:t>
+            </a:r>
+            <a:r>
+              <a:rPr lang="en-US" dirty="0" smtClean="0"/>
+              <a:t>&gt;380</a:t>
+            </a:r>
+          </a:p>
+          <a:p>
+            <a:r>
+              <a:rPr lang="en-US" dirty="0" smtClean="0"/>
+              <a:t>            'go right'</a:t>
+            </a:r>
+          </a:p>
+          <a:p>
+            <a:r>
+              <a:rPr lang="en-US" dirty="0" smtClean="0"/>
+              <a:t>        </a:t>
+            </a:r>
+            <a:r>
+              <a:rPr lang="en-US" dirty="0" err="1" smtClean="0"/>
+              <a:t>elseif</a:t>
+            </a:r>
+            <a:r>
+              <a:rPr lang="en-US" dirty="0" smtClean="0"/>
+              <a:t> </a:t>
+            </a:r>
+            <a:r>
+              <a:rPr lang="en-US" dirty="0" err="1" smtClean="0"/>
+              <a:t>col</a:t>
+            </a:r>
+            <a:r>
+              <a:rPr lang="en-US" dirty="0" smtClean="0"/>
+              <a:t>&lt;320</a:t>
+            </a:r>
+          </a:p>
+          <a:p>
+            <a:r>
+              <a:rPr lang="en-US" dirty="0" smtClean="0"/>
+              <a:t>            'go left'</a:t>
+            </a:r>
+          </a:p>
+          <a:p>
+            <a:r>
+              <a:rPr lang="en-US" dirty="0" smtClean="0"/>
+              <a:t>        else</a:t>
+            </a:r>
+          </a:p>
+          <a:p>
+            <a:r>
+              <a:rPr lang="en-US" dirty="0" smtClean="0"/>
+              <a:t>            'stop'</a:t>
+            </a:r>
+          </a:p>
+          <a:p>
+            <a:r>
+              <a:rPr lang="en-US" dirty="0" smtClean="0"/>
+              <a:t>        end</a:t>
+            </a:r>
+          </a:p>
+          <a:p>
+            <a:r>
+              <a:rPr lang="en-US" dirty="0" smtClean="0"/>
+              <a:t>       break;</a:t>
+            </a:r>
+          </a:p>
+          <a:p>
+            <a:endParaRPr lang="en-US" dirty="0"/>
+          </a:p>
+        </p:txBody>
+      </p:sp>
+      <p:sp>
+        <p:nvSpPr>
+          <p:cNvPr id="4" name="TextBox 3"/>
+          <p:cNvSpPr txBox="1"/>
+          <p:nvPr/>
+        </p:nvSpPr>
+        <p:spPr>
+          <a:xfrm>
+            <a:off x="4724400" y="2133600"/>
+            <a:ext cx="3352800" cy="646331"/>
+          </a:xfrm>
+          <a:prstGeom prst="rect">
+            <a:avLst/>
+          </a:prstGeom>
+          <a:noFill/>
+        </p:spPr>
+        <p:txBody>
+          <a:bodyPr wrap="square" rtlCol="0">
+            <a:spAutoFit/>
+          </a:bodyPr>
+          <a:lstStyle/>
+          <a:p>
+            <a:r>
+              <a:rPr lang="en-US" dirty="0" smtClean="0"/>
+              <a:t>Row , column is the co-ordinates of the center of the image.</a:t>
+            </a:r>
+            <a:endParaRPr lang="en-US" dirty="0"/>
+          </a:p>
+        </p:txBody>
+      </p:sp>
+    </p:spTree>
+  </p:cSld>
+  <p:clrMapOvr>
+    <a:masterClrMapping/>
+  </p:clrMapOvr>
+</p:sld>
+</file>
+
+<file path=ppt/slides/slide37.xml><?xml version="1.0" encoding="utf-8"?>
+<p:sld xmlns:a="http://schemas.openxmlformats.org/drawingml/2006/main" xmlns:r="http://schemas.openxmlformats.org/officeDocument/2006/relationships" xmlns:p="http://schemas.openxmlformats.org/presentationml/2006/main">
+  <p:cSld>
+    <p:spTree>
+      <p:nvGrpSpPr>
+        <p:cNvPr id="1" name=""/>
+        <p:cNvGrpSpPr/>
+        <p:nvPr/>
+      </p:nvGrpSpPr>
+      <p:grpSpPr>
+        <a:xfrm>
+          <a:off x="0" y="0"/>
+          <a:ext cx="0" cy="0"/>
+          <a:chOff x="0" y="0"/>
+          <a:chExt cx="0" cy="0"/>
+        </a:xfrm>
+      </p:grpSpPr>
+      <p:sp>
+        <p:nvSpPr>
+          <p:cNvPr id="2" name="Title 1"/>
+          <p:cNvSpPr>
+            <a:spLocks noGrp="1"/>
+          </p:cNvSpPr>
+          <p:nvPr>
+            <p:ph type="title"/>
+          </p:nvPr>
+        </p:nvSpPr>
+        <p:spPr/>
+        <p:txBody>
+          <a:bodyPr/>
+          <a:lstStyle/>
+          <a:p>
+            <a:r>
+              <a:rPr lang="en-US" dirty="0" smtClean="0"/>
+              <a:t>Thank You</a:t>
+            </a:r>
+            <a:endParaRPr lang="en-US" dirty="0"/>
+          </a:p>
+        </p:txBody>
+      </p:sp>
+      <p:sp>
+        <p:nvSpPr>
+          <p:cNvPr id="3" name="Content Placeholder 2"/>
+          <p:cNvSpPr>
+            <a:spLocks noGrp="1"/>
+          </p:cNvSpPr>
+          <p:nvPr>
+            <p:ph idx="1"/>
+          </p:nvPr>
+        </p:nvSpPr>
+        <p:spPr/>
+        <p:txBody>
+          <a:bodyPr/>
+          <a:lstStyle/>
+          <a:p>
+            <a:endParaRPr lang="en-US" dirty="0"/>
           </a:p>
         </p:txBody>
       </p:sp>
